--- a/Project.pptx
+++ b/Project.pptx
@@ -298,7 +298,7 @@
           <a:p>
             <a:fld id="{DEDFAB80-D140-463E-99B1-525B7EE030ED}" type="datetimeFigureOut">
               <a:rPr lang="ru-RU" smtClean="0"/>
-              <a:t>14.12.2018</a:t>
+              <a:t>16.12.2018</a:t>
             </a:fld>
             <a:endParaRPr lang="ru-RU"/>
           </a:p>
@@ -468,7 +468,7 @@
           <a:p>
             <a:fld id="{DEDFAB80-D140-463E-99B1-525B7EE030ED}" type="datetimeFigureOut">
               <a:rPr lang="ru-RU" smtClean="0"/>
-              <a:t>14.12.2018</a:t>
+              <a:t>16.12.2018</a:t>
             </a:fld>
             <a:endParaRPr lang="ru-RU"/>
           </a:p>
@@ -648,7 +648,7 @@
           <a:p>
             <a:fld id="{DEDFAB80-D140-463E-99B1-525B7EE030ED}" type="datetimeFigureOut">
               <a:rPr lang="ru-RU" smtClean="0"/>
-              <a:t>14.12.2018</a:t>
+              <a:t>16.12.2018</a:t>
             </a:fld>
             <a:endParaRPr lang="ru-RU"/>
           </a:p>
@@ -818,7 +818,7 @@
           <a:p>
             <a:fld id="{DEDFAB80-D140-463E-99B1-525B7EE030ED}" type="datetimeFigureOut">
               <a:rPr lang="ru-RU" smtClean="0"/>
-              <a:t>14.12.2018</a:t>
+              <a:t>16.12.2018</a:t>
             </a:fld>
             <a:endParaRPr lang="ru-RU"/>
           </a:p>
@@ -1064,7 +1064,7 @@
           <a:p>
             <a:fld id="{DEDFAB80-D140-463E-99B1-525B7EE030ED}" type="datetimeFigureOut">
               <a:rPr lang="ru-RU" smtClean="0"/>
-              <a:t>14.12.2018</a:t>
+              <a:t>16.12.2018</a:t>
             </a:fld>
             <a:endParaRPr lang="ru-RU"/>
           </a:p>
@@ -1296,7 +1296,7 @@
           <a:p>
             <a:fld id="{DEDFAB80-D140-463E-99B1-525B7EE030ED}" type="datetimeFigureOut">
               <a:rPr lang="ru-RU" smtClean="0"/>
-              <a:t>14.12.2018</a:t>
+              <a:t>16.12.2018</a:t>
             </a:fld>
             <a:endParaRPr lang="ru-RU"/>
           </a:p>
@@ -1663,7 +1663,7 @@
           <a:p>
             <a:fld id="{DEDFAB80-D140-463E-99B1-525B7EE030ED}" type="datetimeFigureOut">
               <a:rPr lang="ru-RU" smtClean="0"/>
-              <a:t>14.12.2018</a:t>
+              <a:t>16.12.2018</a:t>
             </a:fld>
             <a:endParaRPr lang="ru-RU"/>
           </a:p>
@@ -1781,7 +1781,7 @@
           <a:p>
             <a:fld id="{DEDFAB80-D140-463E-99B1-525B7EE030ED}" type="datetimeFigureOut">
               <a:rPr lang="ru-RU" smtClean="0"/>
-              <a:t>14.12.2018</a:t>
+              <a:t>16.12.2018</a:t>
             </a:fld>
             <a:endParaRPr lang="ru-RU"/>
           </a:p>
@@ -1876,7 +1876,7 @@
           <a:p>
             <a:fld id="{DEDFAB80-D140-463E-99B1-525B7EE030ED}" type="datetimeFigureOut">
               <a:rPr lang="ru-RU" smtClean="0"/>
-              <a:t>14.12.2018</a:t>
+              <a:t>16.12.2018</a:t>
             </a:fld>
             <a:endParaRPr lang="ru-RU"/>
           </a:p>
@@ -2153,7 +2153,7 @@
           <a:p>
             <a:fld id="{DEDFAB80-D140-463E-99B1-525B7EE030ED}" type="datetimeFigureOut">
               <a:rPr lang="ru-RU" smtClean="0"/>
-              <a:t>14.12.2018</a:t>
+              <a:t>16.12.2018</a:t>
             </a:fld>
             <a:endParaRPr lang="ru-RU"/>
           </a:p>
@@ -2406,7 +2406,7 @@
           <a:p>
             <a:fld id="{DEDFAB80-D140-463E-99B1-525B7EE030ED}" type="datetimeFigureOut">
               <a:rPr lang="ru-RU" smtClean="0"/>
-              <a:t>14.12.2018</a:t>
+              <a:t>16.12.2018</a:t>
             </a:fld>
             <a:endParaRPr lang="ru-RU"/>
           </a:p>
@@ -2619,7 +2619,7 @@
           <a:p>
             <a:fld id="{DEDFAB80-D140-463E-99B1-525B7EE030ED}" type="datetimeFigureOut">
               <a:rPr lang="ru-RU" smtClean="0"/>
-              <a:t>14.12.2018</a:t>
+              <a:t>16.12.2018</a:t>
             </a:fld>
             <a:endParaRPr lang="ru-RU"/>
           </a:p>
@@ -4680,7 +4680,36 @@
           <a:bodyPr/>
           <a:lstStyle/>
           <a:p>
-            <a:endParaRPr lang="ru-RU"/>
+            <a:r>
+              <a:rPr lang="ru-RU" dirty="0" smtClean="0">
+                <a:solidFill>
+                  <a:schemeClr val="accent1">
+                    <a:lumMod val="40000"/>
+                    <a:lumOff val="60000"/>
+                  </a:schemeClr>
+                </a:solidFill>
+              </a:rPr>
+              <a:t>В будущем я планирую создать зум фото, изменение яркости и </a:t>
+            </a:r>
+            <a:r>
+              <a:rPr lang="ru-RU" dirty="0" smtClean="0">
+                <a:solidFill>
+                  <a:schemeClr val="accent1">
+                    <a:lumMod val="40000"/>
+                    <a:lumOff val="60000"/>
+                  </a:schemeClr>
+                </a:solidFill>
+              </a:rPr>
+              <a:t>рисование на фото</a:t>
+            </a:r>
+            <a:endParaRPr lang="ru-RU" dirty="0">
+              <a:solidFill>
+                <a:schemeClr val="accent1">
+                  <a:lumMod val="40000"/>
+                  <a:lumOff val="60000"/>
+                </a:schemeClr>
+              </a:solidFill>
+            </a:endParaRPr>
           </a:p>
         </p:txBody>
       </p:sp>
@@ -6023,20 +6052,7 @@
                 <a:latin typeface="Arial" panose="020B0604020202020204" pitchFamily="34" charset="0"/>
                 <a:cs typeface="Arial" panose="020B0604020202020204" pitchFamily="34" charset="0"/>
               </a:rPr>
-              <a:t>или </a:t>
-            </a:r>
-            <a:r>
-              <a:rPr lang="ru-RU" dirty="0" smtClean="0">
-                <a:solidFill>
-                  <a:schemeClr val="tx1">
-                    <a:lumMod val="50000"/>
-                    <a:lumOff val="50000"/>
-                  </a:schemeClr>
-                </a:solidFill>
-                <a:latin typeface="Arial" panose="020B0604020202020204" pitchFamily="34" charset="0"/>
-                <a:cs typeface="Arial" panose="020B0604020202020204" pitchFamily="34" charset="0"/>
-              </a:rPr>
-              <a:t>самого фото</a:t>
+              <a:t>или самого фото</a:t>
             </a:r>
             <a:endParaRPr lang="ru-RU" dirty="0">
               <a:solidFill>
@@ -6625,20 +6641,7 @@
                 <a:latin typeface="Arial" panose="020B0604020202020204" pitchFamily="34" charset="0"/>
                 <a:cs typeface="Arial" panose="020B0604020202020204" pitchFamily="34" charset="0"/>
               </a:rPr>
-              <a:t>Процент </a:t>
-            </a:r>
-            <a:r>
-              <a:rPr lang="ru-RU" dirty="0" smtClean="0">
-                <a:solidFill>
-                  <a:schemeClr val="tx1">
-                    <a:lumMod val="50000"/>
-                    <a:lumOff val="50000"/>
-                  </a:schemeClr>
-                </a:solidFill>
-                <a:latin typeface="Arial" panose="020B0604020202020204" pitchFamily="34" charset="0"/>
-                <a:cs typeface="Arial" panose="020B0604020202020204" pitchFamily="34" charset="0"/>
-              </a:rPr>
-              <a:t>территории, </a:t>
+              <a:t>Процент территории, </a:t>
             </a:r>
           </a:p>
           <a:p>
